--- a/presentation/teacher-student_planner.pptx
+++ b/presentation/teacher-student_planner.pptx
@@ -11,6 +11,7 @@
     <p:sldId id="260" r:id="rId5"/>
     <p:sldId id="261" r:id="rId6"/>
     <p:sldId id="262" r:id="rId7"/>
+    <p:sldId id="263" r:id="rId8"/>
   </p:sldIdLst>
   <p:sldSz cx="9144000" cy="6858000" type="screen4x3"/>
   <p:notesSz cx="6858000" cy="9144000"/>
@@ -3176,11 +3177,7 @@
             </a:br>
             <a:r>
               <a:rPr lang="en-US" b="1" dirty="0" smtClean="0"/>
-              <a:t>Student/Teacher </a:t>
-            </a:r>
-            <a:r>
-              <a:rPr lang="en-US" b="1" dirty="0" smtClean="0"/>
-              <a:t>Planner.</a:t>
+              <a:t>Student/Teacher Planner.</a:t>
             </a:r>
             <a:endParaRPr lang="en-US" b="1" dirty="0"/>
           </a:p>
@@ -3229,11 +3226,7 @@
             <a:pPr algn="l"/>
             <a:r>
               <a:rPr lang="en-US" dirty="0" smtClean="0"/>
-              <a:t>Team members</a:t>
-            </a:r>
-            <a:r>
-              <a:rPr lang="en-US" dirty="0" smtClean="0"/>
-              <a:t>:</a:t>
+              <a:t>Team members:</a:t>
             </a:r>
           </a:p>
           <a:p>
@@ -3441,11 +3434,7 @@
             </a:pPr>
             <a:r>
               <a:rPr lang="en-US" dirty="0" smtClean="0"/>
-              <a:t>This project seeks to </a:t>
-            </a:r>
-            <a:r>
-              <a:rPr lang="en-US" dirty="0" smtClean="0"/>
-              <a:t>develop a tool that:</a:t>
+              <a:t>This project seeks to develop a tool that:</a:t>
             </a:r>
           </a:p>
           <a:p>
@@ -3457,23 +3446,7 @@
           <a:p>
             <a:r>
               <a:rPr lang="en-US" dirty="0" smtClean="0"/>
-              <a:t>Helps teachers </a:t>
-            </a:r>
-            <a:r>
-              <a:rPr lang="en-US" dirty="0" smtClean="0"/>
-              <a:t>and </a:t>
-            </a:r>
-            <a:r>
-              <a:rPr lang="en-US" dirty="0" smtClean="0"/>
-              <a:t>students plan </a:t>
-            </a:r>
-            <a:r>
-              <a:rPr lang="en-US" dirty="0" smtClean="0"/>
-              <a:t>a homework project schedule together</a:t>
-            </a:r>
-            <a:r>
-              <a:rPr lang="en-US" dirty="0" smtClean="0"/>
-              <a:t>.</a:t>
+              <a:t>Helps teachers and students plan a homework project schedule together.</a:t>
             </a:r>
           </a:p>
           <a:p>
@@ -3484,7 +3457,6 @@
               <a:rPr lang="en-US" dirty="0" smtClean="0"/>
               <a:t>Synchs with Google Calendar.</a:t>
             </a:r>
-            <a:endParaRPr lang="en-US" dirty="0" smtClean="0"/>
           </a:p>
           <a:p>
             <a:endParaRPr lang="en-US" dirty="0"/>
@@ -3571,21 +3543,13 @@
           <a:p>
             <a:r>
               <a:rPr lang="en-US" dirty="0" smtClean="0"/>
-              <a:t>The teacher has a master calendar </a:t>
-            </a:r>
-            <a:r>
-              <a:rPr lang="en-US" dirty="0" smtClean="0"/>
-              <a:t>interface.</a:t>
-            </a:r>
-          </a:p>
-          <a:p>
-            <a:r>
-              <a:rPr lang="en-US" dirty="0" smtClean="0"/>
-              <a:t>Creates </a:t>
-            </a:r>
-            <a:r>
-              <a:rPr lang="en-US" dirty="0" smtClean="0"/>
-              <a:t>a </a:t>
+              <a:t>The teacher has a master calendar interface.</a:t>
+            </a:r>
+          </a:p>
+          <a:p>
+            <a:r>
+              <a:rPr lang="en-US" dirty="0" smtClean="0"/>
+              <a:t>Creates a </a:t>
             </a:r>
             <a:r>
               <a:rPr lang="en-US" dirty="0" err="1" smtClean="0"/>
@@ -3593,11 +3557,7 @@
             </a:r>
             <a:r>
               <a:rPr lang="en-US" dirty="0" smtClean="0"/>
-              <a:t> project event</a:t>
-            </a:r>
-            <a:r>
-              <a:rPr lang="en-US" dirty="0" smtClean="0"/>
-              <a:t>.</a:t>
+              <a:t> project event.</a:t>
             </a:r>
           </a:p>
           <a:p>
@@ -3615,29 +3575,13 @@
           <a:p>
             <a:r>
               <a:rPr lang="en-US" dirty="0" smtClean="0"/>
-              <a:t>A homework project can have</a:t>
-            </a:r>
-            <a:r>
-              <a:rPr lang="en-US" dirty="0" smtClean="0"/>
-              <a:t> some </a:t>
-            </a:r>
-            <a:r>
-              <a:rPr lang="en-US" dirty="0" smtClean="0"/>
-              <a:t>number of milestones.</a:t>
-            </a:r>
-          </a:p>
-          <a:p>
-            <a:r>
-              <a:rPr lang="en-US" dirty="0" smtClean="0"/>
-              <a:t>Milestones are evenly laid out between </a:t>
-            </a:r>
-            <a:r>
-              <a:rPr lang="en-US" dirty="0" smtClean="0"/>
-              <a:t>the start date and the deadline</a:t>
-            </a:r>
-            <a:r>
-              <a:rPr lang="en-US" dirty="0" smtClean="0"/>
-              <a:t>.</a:t>
+              <a:t>A homework project can have some number of milestones.</a:t>
+            </a:r>
+          </a:p>
+          <a:p>
+            <a:r>
+              <a:rPr lang="en-US" dirty="0" smtClean="0"/>
+              <a:t>Milestones are evenly laid out between the start date and the deadline.</a:t>
             </a:r>
           </a:p>
           <a:p>
@@ -3661,19 +3605,7 @@
           <a:p>
             <a:r>
               <a:rPr lang="en-US" dirty="0" smtClean="0"/>
-              <a:t>The teacher keeps </a:t>
-            </a:r>
-            <a:r>
-              <a:rPr lang="en-US" dirty="0" smtClean="0"/>
-              <a:t>tracks and marks </a:t>
-            </a:r>
-            <a:r>
-              <a:rPr lang="en-US" dirty="0" smtClean="0"/>
-              <a:t>progress</a:t>
-            </a:r>
-            <a:r>
-              <a:rPr lang="en-US" dirty="0" smtClean="0"/>
-              <a:t>.</a:t>
+              <a:t>The teacher keeps tracks and marks progress.</a:t>
             </a:r>
           </a:p>
           <a:p>
@@ -3685,24 +3617,14 @@
             </a:pPr>
             <a:r>
               <a:rPr lang="en-US" dirty="0" smtClean="0"/>
-              <a:t>Interactivity</a:t>
-            </a:r>
-            <a:r>
-              <a:rPr lang="en-US" dirty="0" smtClean="0"/>
-              <a:t>:</a:t>
-            </a:r>
-            <a:endParaRPr lang="en-US" dirty="0" smtClean="0"/>
-          </a:p>
-          <a:p>
-            <a:r>
-              <a:rPr lang="en-US" dirty="0" smtClean="0"/>
-              <a:t>Teachers and students can be in synch about project </a:t>
-            </a:r>
-            <a:r>
-              <a:rPr lang="en-US" dirty="0" smtClean="0"/>
-              <a:t>expectations.</a:t>
-            </a:r>
-            <a:endParaRPr lang="en-US" dirty="0" smtClean="0"/>
+              <a:t>Interactivity:</a:t>
+            </a:r>
+          </a:p>
+          <a:p>
+            <a:r>
+              <a:rPr lang="en-US" dirty="0" smtClean="0"/>
+              <a:t>Teachers and students can be in synch about project expectations.</a:t>
+            </a:r>
           </a:p>
           <a:p>
             <a:r>
@@ -3711,11 +3633,7 @@
             </a:r>
             <a:r>
               <a:rPr lang="en-US" smtClean="0"/>
-              <a:t>not </a:t>
-            </a:r>
-            <a:r>
-              <a:rPr lang="en-US" smtClean="0"/>
-              <a:t>made</a:t>
+              <a:t>not made</a:t>
             </a:r>
             <a:br>
               <a:rPr lang="en-US" smtClean="0"/>
@@ -3797,11 +3715,7 @@
           <a:p>
             <a:r>
               <a:rPr lang="en-US" dirty="0" smtClean="0"/>
-              <a:t>Browser-based </a:t>
-            </a:r>
-            <a:r>
-              <a:rPr lang="en-US" dirty="0" smtClean="0"/>
-              <a:t>interface.</a:t>
+              <a:t>Browser-based interface.</a:t>
             </a:r>
           </a:p>
           <a:p>
@@ -3863,6 +3777,73 @@
             <a:r>
               <a:rPr lang="en-US" dirty="0" smtClean="0"/>
               <a:t>Demo</a:t>
+            </a:r>
+            <a:endParaRPr lang="en-US" dirty="0"/>
+          </a:p>
+        </p:txBody>
+      </p:sp>
+      <p:sp>
+        <p:nvSpPr>
+          <p:cNvPr id="3" name="Content Placeholder 2"/>
+          <p:cNvSpPr>
+            <a:spLocks noGrp="1"/>
+          </p:cNvSpPr>
+          <p:nvPr>
+            <p:ph idx="1"/>
+          </p:nvPr>
+        </p:nvSpPr>
+        <p:spPr/>
+        <p:txBody>
+          <a:bodyPr/>
+          <a:lstStyle/>
+          <a:p>
+            <a:endParaRPr lang="en-US"/>
+          </a:p>
+        </p:txBody>
+      </p:sp>
+    </p:spTree>
+  </p:cSld>
+  <p:clrMapOvr>
+    <a:masterClrMapping/>
+  </p:clrMapOvr>
+</p:sld>
+</file>
+
+<file path=ppt/slides/slide7.xml><?xml version="1.0" encoding="utf-8"?>
+<p:sld xmlns:a="http://schemas.openxmlformats.org/drawingml/2006/main" xmlns:r="http://schemas.openxmlformats.org/officeDocument/2006/relationships" xmlns:p="http://schemas.openxmlformats.org/presentationml/2006/main">
+  <p:cSld>
+    <p:spTree>
+      <p:nvGrpSpPr>
+        <p:cNvPr id="1" name=""/>
+        <p:cNvGrpSpPr/>
+        <p:nvPr/>
+      </p:nvGrpSpPr>
+      <p:grpSpPr>
+        <a:xfrm>
+          <a:off x="0" y="0"/>
+          <a:ext cx="0" cy="0"/>
+          <a:chOff x="0" y="0"/>
+          <a:chExt cx="0" cy="0"/>
+        </a:xfrm>
+      </p:grpSpPr>
+      <p:sp>
+        <p:nvSpPr>
+          <p:cNvPr id="2" name="Title 1"/>
+          <p:cNvSpPr>
+            <a:spLocks noGrp="1"/>
+          </p:cNvSpPr>
+          <p:nvPr>
+            <p:ph type="title"/>
+          </p:nvPr>
+        </p:nvSpPr>
+        <p:spPr/>
+        <p:txBody>
+          <a:bodyPr/>
+          <a:lstStyle/>
+          <a:p>
+            <a:r>
+              <a:rPr lang="en-US" smtClean="0"/>
+              <a:t>Experiences</a:t>
             </a:r>
             <a:endParaRPr lang="en-US" dirty="0"/>
           </a:p>

--- a/presentation/teacher-student_planner.pptx
+++ b/presentation/teacher-student_planner.pptx
@@ -10,8 +10,10 @@
     <p:sldId id="259" r:id="rId4"/>
     <p:sldId id="260" r:id="rId5"/>
     <p:sldId id="261" r:id="rId6"/>
-    <p:sldId id="262" r:id="rId7"/>
-    <p:sldId id="263" r:id="rId8"/>
+    <p:sldId id="264" r:id="rId7"/>
+    <p:sldId id="265" r:id="rId8"/>
+    <p:sldId id="262" r:id="rId9"/>
+    <p:sldId id="263" r:id="rId10"/>
   </p:sldIdLst>
   <p:sldSz cx="9144000" cy="6858000" type="screen4x3"/>
   <p:notesSz cx="6858000" cy="9144000"/>
@@ -3769,14 +3771,12 @@
         </p:nvSpPr>
         <p:spPr/>
         <p:txBody>
-          <a:bodyPr>
-            <a:normAutofit/>
-          </a:bodyPr>
-          <a:lstStyle/>
-          <a:p>
-            <a:r>
-              <a:rPr lang="en-US" dirty="0" smtClean="0"/>
-              <a:t>Demo</a:t>
+          <a:bodyPr/>
+          <a:lstStyle/>
+          <a:p>
+            <a:r>
+              <a:rPr lang="en-US" dirty="0" smtClean="0"/>
+              <a:t>Objectives we met</a:t>
             </a:r>
             <a:endParaRPr lang="en-US" dirty="0"/>
           </a:p>
@@ -3810,6 +3810,142 @@
 </file>
 
 <file path=ppt/slides/slide7.xml><?xml version="1.0" encoding="utf-8"?>
+<p:sld xmlns:a="http://schemas.openxmlformats.org/drawingml/2006/main" xmlns:r="http://schemas.openxmlformats.org/officeDocument/2006/relationships" xmlns:p="http://schemas.openxmlformats.org/presentationml/2006/main">
+  <p:cSld>
+    <p:spTree>
+      <p:nvGrpSpPr>
+        <p:cNvPr id="1" name=""/>
+        <p:cNvGrpSpPr/>
+        <p:nvPr/>
+      </p:nvGrpSpPr>
+      <p:grpSpPr>
+        <a:xfrm>
+          <a:off x="0" y="0"/>
+          <a:ext cx="0" cy="0"/>
+          <a:chOff x="0" y="0"/>
+          <a:chExt cx="0" cy="0"/>
+        </a:xfrm>
+      </p:grpSpPr>
+      <p:sp>
+        <p:nvSpPr>
+          <p:cNvPr id="2" name="Title 1"/>
+          <p:cNvSpPr>
+            <a:spLocks noGrp="1"/>
+          </p:cNvSpPr>
+          <p:nvPr>
+            <p:ph type="title"/>
+          </p:nvPr>
+        </p:nvSpPr>
+        <p:spPr/>
+        <p:txBody>
+          <a:bodyPr/>
+          <a:lstStyle/>
+          <a:p>
+            <a:r>
+              <a:rPr lang="en-US" dirty="0" smtClean="0"/>
+              <a:t>Future objectives</a:t>
+            </a:r>
+            <a:endParaRPr lang="en-US" dirty="0"/>
+          </a:p>
+        </p:txBody>
+      </p:sp>
+      <p:sp>
+        <p:nvSpPr>
+          <p:cNvPr id="3" name="Content Placeholder 2"/>
+          <p:cNvSpPr>
+            <a:spLocks noGrp="1"/>
+          </p:cNvSpPr>
+          <p:nvPr>
+            <p:ph idx="1"/>
+          </p:nvPr>
+        </p:nvSpPr>
+        <p:spPr/>
+        <p:txBody>
+          <a:bodyPr/>
+          <a:lstStyle/>
+          <a:p>
+            <a:endParaRPr lang="en-US"/>
+          </a:p>
+        </p:txBody>
+      </p:sp>
+    </p:spTree>
+  </p:cSld>
+  <p:clrMapOvr>
+    <a:masterClrMapping/>
+  </p:clrMapOvr>
+</p:sld>
+</file>
+
+<file path=ppt/slides/slide8.xml><?xml version="1.0" encoding="utf-8"?>
+<p:sld xmlns:a="http://schemas.openxmlformats.org/drawingml/2006/main" xmlns:r="http://schemas.openxmlformats.org/officeDocument/2006/relationships" xmlns:p="http://schemas.openxmlformats.org/presentationml/2006/main">
+  <p:cSld>
+    <p:spTree>
+      <p:nvGrpSpPr>
+        <p:cNvPr id="1" name=""/>
+        <p:cNvGrpSpPr/>
+        <p:nvPr/>
+      </p:nvGrpSpPr>
+      <p:grpSpPr>
+        <a:xfrm>
+          <a:off x="0" y="0"/>
+          <a:ext cx="0" cy="0"/>
+          <a:chOff x="0" y="0"/>
+          <a:chExt cx="0" cy="0"/>
+        </a:xfrm>
+      </p:grpSpPr>
+      <p:sp>
+        <p:nvSpPr>
+          <p:cNvPr id="2" name="Title 1"/>
+          <p:cNvSpPr>
+            <a:spLocks noGrp="1"/>
+          </p:cNvSpPr>
+          <p:nvPr>
+            <p:ph type="title"/>
+          </p:nvPr>
+        </p:nvSpPr>
+        <p:spPr/>
+        <p:txBody>
+          <a:bodyPr>
+            <a:normAutofit/>
+          </a:bodyPr>
+          <a:lstStyle/>
+          <a:p>
+            <a:r>
+              <a:rPr lang="en-US" dirty="0" smtClean="0"/>
+              <a:t>Demo</a:t>
+            </a:r>
+            <a:endParaRPr lang="en-US" dirty="0"/>
+          </a:p>
+        </p:txBody>
+      </p:sp>
+      <p:sp>
+        <p:nvSpPr>
+          <p:cNvPr id="3" name="Content Placeholder 2"/>
+          <p:cNvSpPr>
+            <a:spLocks noGrp="1"/>
+          </p:cNvSpPr>
+          <p:nvPr>
+            <p:ph idx="1"/>
+          </p:nvPr>
+        </p:nvSpPr>
+        <p:spPr/>
+        <p:txBody>
+          <a:bodyPr/>
+          <a:lstStyle/>
+          <a:p>
+            <a:endParaRPr lang="en-US"/>
+          </a:p>
+        </p:txBody>
+      </p:sp>
+    </p:spTree>
+  </p:cSld>
+  <p:clrMapOvr>
+    <a:masterClrMapping/>
+  </p:clrMapOvr>
+</p:sld>
+</file>
+
+<file path=ppt/slides/slide9.xml><?xml version="1.0" encoding="utf-8"?>
 <p:sld xmlns:a="http://schemas.openxmlformats.org/drawingml/2006/main" xmlns:r="http://schemas.openxmlformats.org/officeDocument/2006/relationships" xmlns:p="http://schemas.openxmlformats.org/presentationml/2006/main">
   <p:cSld>
     <p:spTree>

--- a/presentation/teacher-student_planner.pptx
+++ b/presentation/teacher-student_planner.pptx
@@ -8,12 +8,11 @@
     <p:sldId id="256" r:id="rId2"/>
     <p:sldId id="258" r:id="rId3"/>
     <p:sldId id="259" r:id="rId4"/>
-    <p:sldId id="260" r:id="rId5"/>
-    <p:sldId id="261" r:id="rId6"/>
+    <p:sldId id="261" r:id="rId5"/>
+    <p:sldId id="262" r:id="rId6"/>
     <p:sldId id="264" r:id="rId7"/>
     <p:sldId id="265" r:id="rId8"/>
-    <p:sldId id="262" r:id="rId9"/>
-    <p:sldId id="263" r:id="rId10"/>
+    <p:sldId id="263" r:id="rId9"/>
   </p:sldIdLst>
   <p:sldSz cx="9144000" cy="6858000" type="screen4x3"/>
   <p:notesSz cx="6858000" cy="9144000"/>
@@ -308,7 +307,7 @@
               <a:pPr/>
               <a:t>2/10/2013</a:t>
             </a:fld>
-            <a:endParaRPr lang="en-US"/>
+            <a:endParaRPr lang="en-US" dirty="0"/>
           </a:p>
         </p:txBody>
       </p:sp>
@@ -327,7 +326,7 @@
           <a:bodyPr/>
           <a:lstStyle/>
           <a:p>
-            <a:endParaRPr lang="en-US"/>
+            <a:endParaRPr lang="en-US" dirty="0"/>
           </a:p>
         </p:txBody>
       </p:sp>
@@ -351,7 +350,7 @@
               <a:pPr/>
               <a:t>‹#›</a:t>
             </a:fld>
-            <a:endParaRPr lang="en-US"/>
+            <a:endParaRPr lang="en-US" dirty="0"/>
           </a:p>
         </p:txBody>
       </p:sp>
@@ -475,7 +474,7 @@
               <a:pPr/>
               <a:t>2/10/2013</a:t>
             </a:fld>
-            <a:endParaRPr lang="en-US"/>
+            <a:endParaRPr lang="en-US" dirty="0"/>
           </a:p>
         </p:txBody>
       </p:sp>
@@ -494,7 +493,7 @@
           <a:bodyPr/>
           <a:lstStyle/>
           <a:p>
-            <a:endParaRPr lang="en-US"/>
+            <a:endParaRPr lang="en-US" dirty="0"/>
           </a:p>
         </p:txBody>
       </p:sp>
@@ -518,7 +517,7 @@
               <a:pPr/>
               <a:t>‹#›</a:t>
             </a:fld>
-            <a:endParaRPr lang="en-US"/>
+            <a:endParaRPr lang="en-US" dirty="0"/>
           </a:p>
         </p:txBody>
       </p:sp>
@@ -652,7 +651,7 @@
               <a:pPr/>
               <a:t>2/10/2013</a:t>
             </a:fld>
-            <a:endParaRPr lang="en-US"/>
+            <a:endParaRPr lang="en-US" dirty="0"/>
           </a:p>
         </p:txBody>
       </p:sp>
@@ -671,7 +670,7 @@
           <a:bodyPr/>
           <a:lstStyle/>
           <a:p>
-            <a:endParaRPr lang="en-US"/>
+            <a:endParaRPr lang="en-US" dirty="0"/>
           </a:p>
         </p:txBody>
       </p:sp>
@@ -695,7 +694,7 @@
               <a:pPr/>
               <a:t>‹#›</a:t>
             </a:fld>
-            <a:endParaRPr lang="en-US"/>
+            <a:endParaRPr lang="en-US" dirty="0"/>
           </a:p>
         </p:txBody>
       </p:sp>
@@ -887,7 +886,7 @@
               <a:pPr/>
               <a:t>2/10/2013</a:t>
             </a:fld>
-            <a:endParaRPr lang="en-US"/>
+            <a:endParaRPr lang="en-US" dirty="0"/>
           </a:p>
         </p:txBody>
       </p:sp>
@@ -906,7 +905,7 @@
           <a:bodyPr/>
           <a:lstStyle/>
           <a:p>
-            <a:endParaRPr lang="en-US"/>
+            <a:endParaRPr lang="en-US" dirty="0"/>
           </a:p>
         </p:txBody>
       </p:sp>
@@ -930,7 +929,7 @@
               <a:pPr/>
               <a:t>‹#›</a:t>
             </a:fld>
-            <a:endParaRPr lang="en-US"/>
+            <a:endParaRPr lang="en-US" dirty="0"/>
           </a:p>
         </p:txBody>
       </p:sp>
@@ -1130,7 +1129,7 @@
               <a:pPr/>
               <a:t>2/10/2013</a:t>
             </a:fld>
-            <a:endParaRPr lang="en-US"/>
+            <a:endParaRPr lang="en-US" dirty="0"/>
           </a:p>
         </p:txBody>
       </p:sp>
@@ -1149,7 +1148,7 @@
           <a:bodyPr/>
           <a:lstStyle/>
           <a:p>
-            <a:endParaRPr lang="en-US"/>
+            <a:endParaRPr lang="en-US" dirty="0"/>
           </a:p>
         </p:txBody>
       </p:sp>
@@ -1173,7 +1172,7 @@
               <a:pPr/>
               <a:t>‹#›</a:t>
             </a:fld>
-            <a:endParaRPr lang="en-US"/>
+            <a:endParaRPr lang="en-US" dirty="0"/>
           </a:p>
         </p:txBody>
       </p:sp>
@@ -1415,7 +1414,7 @@
               <a:pPr/>
               <a:t>2/10/2013</a:t>
             </a:fld>
-            <a:endParaRPr lang="en-US"/>
+            <a:endParaRPr lang="en-US" dirty="0"/>
           </a:p>
         </p:txBody>
       </p:sp>
@@ -1434,7 +1433,7 @@
           <a:bodyPr/>
           <a:lstStyle/>
           <a:p>
-            <a:endParaRPr lang="en-US"/>
+            <a:endParaRPr lang="en-US" dirty="0"/>
           </a:p>
         </p:txBody>
       </p:sp>
@@ -1458,7 +1457,7 @@
               <a:pPr/>
               <a:t>‹#›</a:t>
             </a:fld>
-            <a:endParaRPr lang="en-US"/>
+            <a:endParaRPr lang="en-US" dirty="0"/>
           </a:p>
         </p:txBody>
       </p:sp>
@@ -1834,7 +1833,7 @@
               <a:pPr/>
               <a:t>2/10/2013</a:t>
             </a:fld>
-            <a:endParaRPr lang="en-US"/>
+            <a:endParaRPr lang="en-US" dirty="0"/>
           </a:p>
         </p:txBody>
       </p:sp>
@@ -1853,7 +1852,7 @@
           <a:bodyPr/>
           <a:lstStyle/>
           <a:p>
-            <a:endParaRPr lang="en-US"/>
+            <a:endParaRPr lang="en-US" dirty="0"/>
           </a:p>
         </p:txBody>
       </p:sp>
@@ -1877,7 +1876,7 @@
               <a:pPr/>
               <a:t>‹#›</a:t>
             </a:fld>
-            <a:endParaRPr lang="en-US"/>
+            <a:endParaRPr lang="en-US" dirty="0"/>
           </a:p>
         </p:txBody>
       </p:sp>
@@ -1949,7 +1948,7 @@
               <a:pPr/>
               <a:t>2/10/2013</a:t>
             </a:fld>
-            <a:endParaRPr lang="en-US"/>
+            <a:endParaRPr lang="en-US" dirty="0"/>
           </a:p>
         </p:txBody>
       </p:sp>
@@ -1968,7 +1967,7 @@
           <a:bodyPr/>
           <a:lstStyle/>
           <a:p>
-            <a:endParaRPr lang="en-US"/>
+            <a:endParaRPr lang="en-US" dirty="0"/>
           </a:p>
         </p:txBody>
       </p:sp>
@@ -1992,7 +1991,7 @@
               <a:pPr/>
               <a:t>‹#›</a:t>
             </a:fld>
-            <a:endParaRPr lang="en-US"/>
+            <a:endParaRPr lang="en-US" dirty="0"/>
           </a:p>
         </p:txBody>
       </p:sp>
@@ -2041,7 +2040,7 @@
               <a:pPr/>
               <a:t>2/10/2013</a:t>
             </a:fld>
-            <a:endParaRPr lang="en-US"/>
+            <a:endParaRPr lang="en-US" dirty="0"/>
           </a:p>
         </p:txBody>
       </p:sp>
@@ -2060,7 +2059,7 @@
           <a:bodyPr/>
           <a:lstStyle/>
           <a:p>
-            <a:endParaRPr lang="en-US"/>
+            <a:endParaRPr lang="en-US" dirty="0"/>
           </a:p>
         </p:txBody>
       </p:sp>
@@ -2084,7 +2083,7 @@
               <a:pPr/>
               <a:t>‹#›</a:t>
             </a:fld>
-            <a:endParaRPr lang="en-US"/>
+            <a:endParaRPr lang="en-US" dirty="0"/>
           </a:p>
         </p:txBody>
       </p:sp>
@@ -2315,7 +2314,7 @@
               <a:pPr/>
               <a:t>2/10/2013</a:t>
             </a:fld>
-            <a:endParaRPr lang="en-US"/>
+            <a:endParaRPr lang="en-US" dirty="0"/>
           </a:p>
         </p:txBody>
       </p:sp>
@@ -2334,7 +2333,7 @@
           <a:bodyPr/>
           <a:lstStyle/>
           <a:p>
-            <a:endParaRPr lang="en-US"/>
+            <a:endParaRPr lang="en-US" dirty="0"/>
           </a:p>
         </p:txBody>
       </p:sp>
@@ -2358,7 +2357,7 @@
               <a:pPr/>
               <a:t>‹#›</a:t>
             </a:fld>
-            <a:endParaRPr lang="en-US"/>
+            <a:endParaRPr lang="en-US" dirty="0"/>
           </a:p>
         </p:txBody>
       </p:sp>
@@ -2476,7 +2475,7 @@
             </a:lvl9pPr>
           </a:lstStyle>
           <a:p>
-            <a:endParaRPr lang="en-US"/>
+            <a:endParaRPr lang="en-US" dirty="0"/>
           </a:p>
         </p:txBody>
       </p:sp>
@@ -2565,7 +2564,7 @@
               <a:pPr/>
               <a:t>2/10/2013</a:t>
             </a:fld>
-            <a:endParaRPr lang="en-US"/>
+            <a:endParaRPr lang="en-US" dirty="0"/>
           </a:p>
         </p:txBody>
       </p:sp>
@@ -2584,7 +2583,7 @@
           <a:bodyPr/>
           <a:lstStyle/>
           <a:p>
-            <a:endParaRPr lang="en-US"/>
+            <a:endParaRPr lang="en-US" dirty="0"/>
           </a:p>
         </p:txBody>
       </p:sp>
@@ -2608,7 +2607,7 @@
               <a:pPr/>
               <a:t>‹#›</a:t>
             </a:fld>
-            <a:endParaRPr lang="en-US"/>
+            <a:endParaRPr lang="en-US" dirty="0"/>
           </a:p>
         </p:txBody>
       </p:sp>
@@ -2780,7 +2779,7 @@
               <a:pPr/>
               <a:t>2/10/2013</a:t>
             </a:fld>
-            <a:endParaRPr lang="en-US"/>
+            <a:endParaRPr lang="en-US" dirty="0"/>
           </a:p>
         </p:txBody>
       </p:sp>
@@ -2817,7 +2816,7 @@
             </a:lvl1pPr>
           </a:lstStyle>
           <a:p>
-            <a:endParaRPr lang="en-US"/>
+            <a:endParaRPr lang="en-US" dirty="0"/>
           </a:p>
         </p:txBody>
       </p:sp>
@@ -2859,7 +2858,7 @@
               <a:pPr/>
               <a:t>‹#›</a:t>
             </a:fld>
-            <a:endParaRPr lang="en-US"/>
+            <a:endParaRPr lang="en-US" dirty="0"/>
           </a:p>
         </p:txBody>
       </p:sp>
@@ -3269,7 +3268,7 @@
             </a:r>
             <a:r>
               <a:rPr lang="en-US" dirty="0" err="1" smtClean="0"/>
-              <a:t>Silbeman</a:t>
+              <a:t>Silberman</a:t>
             </a:r>
             <a:endParaRPr lang="en-US" dirty="0" smtClean="0"/>
           </a:p>
@@ -3507,7 +3506,7 @@
           <a:p>
             <a:r>
               <a:rPr lang="en-US" dirty="0" smtClean="0"/>
-              <a:t>How</a:t>
+              <a:t>Technology</a:t>
             </a:r>
             <a:endParaRPr lang="en-US" dirty="0"/>
           </a:p>
@@ -3526,129 +3525,91 @@
         <p:spPr/>
         <p:txBody>
           <a:bodyPr>
-            <a:normAutofit fontScale="55000" lnSpcReduction="20000"/>
+            <a:normAutofit fontScale="92500" lnSpcReduction="20000"/>
           </a:bodyPr>
           <a:lstStyle/>
           <a:p>
-            <a:pPr>
-              <a:buNone/>
-            </a:pPr>
+            <a:r>
+              <a:rPr lang="en-US" dirty="0" smtClean="0"/>
+              <a:t>Browser-based interface</a:t>
+            </a:r>
+            <a:r>
+              <a:rPr lang="en-US" dirty="0" smtClean="0"/>
+              <a:t>.</a:t>
+            </a:r>
+          </a:p>
+          <a:p>
+            <a:pPr lvl="1"/>
+            <a:r>
+              <a:rPr lang="en-US" dirty="0" smtClean="0"/>
+              <a:t>HTML5</a:t>
+            </a:r>
+          </a:p>
+          <a:p>
+            <a:pPr lvl="1"/>
+            <a:r>
+              <a:rPr lang="en-US" dirty="0" smtClean="0"/>
+              <a:t>CSS (Twitter Bootstrap)</a:t>
+            </a:r>
+            <a:endParaRPr lang="en-US" dirty="0" smtClean="0"/>
+          </a:p>
+          <a:p>
+            <a:r>
+              <a:rPr lang="en-US" dirty="0" smtClean="0"/>
+              <a:t>PHP</a:t>
+            </a:r>
+            <a:endParaRPr lang="en-US" dirty="0" smtClean="0"/>
+          </a:p>
+          <a:p>
+            <a:r>
+              <a:rPr lang="en-US" dirty="0" smtClean="0"/>
+              <a:t>Google </a:t>
+            </a:r>
+            <a:r>
+              <a:rPr lang="en-US" dirty="0" smtClean="0"/>
+              <a:t>Calendar </a:t>
+            </a:r>
+            <a:r>
+              <a:rPr lang="en-US" dirty="0" smtClean="0"/>
+              <a:t>API. </a:t>
+            </a:r>
+            <a:endParaRPr lang="en-US" dirty="0" smtClean="0"/>
+          </a:p>
+          <a:p>
+            <a:pPr lvl="1"/>
+            <a:r>
+              <a:rPr lang="en-US" dirty="0" smtClean="0"/>
+              <a:t>	For Google calendar synchronization.</a:t>
+            </a:r>
+            <a:endParaRPr lang="en-US" dirty="0" smtClean="0"/>
+          </a:p>
+          <a:p>
+            <a:r>
+              <a:rPr lang="en-US" dirty="0" smtClean="0"/>
+              <a:t>Tools</a:t>
+            </a:r>
+          </a:p>
+          <a:p>
+            <a:pPr lvl="1"/>
+            <a:r>
+              <a:rPr lang="en-US" dirty="0" smtClean="0"/>
+              <a:t>Notepad++</a:t>
+            </a:r>
+          </a:p>
+          <a:p>
+            <a:pPr lvl="1"/>
+            <a:r>
+              <a:rPr lang="en-US" dirty="0" smtClean="0"/>
+              <a:t>Sublime Text</a:t>
+            </a:r>
+          </a:p>
+          <a:p>
+            <a:pPr lvl="1"/>
             <a:r>
               <a:rPr lang="en-US" dirty="0" err="1" smtClean="0"/>
-              <a:t>Templated</a:t>
-            </a:r>
-            <a:r>
-              <a:rPr lang="en-US" dirty="0" smtClean="0"/>
-              <a:t> project events:</a:t>
-            </a:r>
-          </a:p>
-          <a:p>
-            <a:r>
-              <a:rPr lang="en-US" dirty="0" smtClean="0"/>
-              <a:t>The teacher has a master calendar interface.</a:t>
-            </a:r>
-          </a:p>
-          <a:p>
-            <a:r>
-              <a:rPr lang="en-US" dirty="0" smtClean="0"/>
-              <a:t>Creates a </a:t>
-            </a:r>
-            <a:r>
-              <a:rPr lang="en-US" dirty="0" err="1" smtClean="0"/>
-              <a:t>templated</a:t>
-            </a:r>
-            <a:r>
-              <a:rPr lang="en-US" dirty="0" smtClean="0"/>
-              <a:t> project event.</a:t>
-            </a:r>
-          </a:p>
-          <a:p>
+              <a:t>GitHub</a:t>
+            </a:r>
             <a:endParaRPr lang="en-US" dirty="0" smtClean="0"/>
-          </a:p>
-          <a:p>
-            <a:pPr>
-              <a:buNone/>
-            </a:pPr>
-            <a:r>
-              <a:rPr lang="en-US" dirty="0" smtClean="0"/>
-              <a:t>Set Milestones:</a:t>
-            </a:r>
-          </a:p>
-          <a:p>
-            <a:r>
-              <a:rPr lang="en-US" dirty="0" smtClean="0"/>
-              <a:t>A homework project can have some number of milestones.</a:t>
-            </a:r>
-          </a:p>
-          <a:p>
-            <a:r>
-              <a:rPr lang="en-US" dirty="0" smtClean="0"/>
-              <a:t>Milestones are evenly laid out between the start date and the deadline.</a:t>
-            </a:r>
-          </a:p>
-          <a:p>
-            <a:endParaRPr lang="en-US" dirty="0" smtClean="0"/>
-          </a:p>
-          <a:p>
-            <a:pPr>
-              <a:buNone/>
-            </a:pPr>
-            <a:r>
-              <a:rPr lang="en-US" dirty="0" smtClean="0"/>
-              <a:t>Check Progress:</a:t>
-            </a:r>
-          </a:p>
-          <a:p>
-            <a:r>
-              <a:rPr lang="en-US" dirty="0" smtClean="0"/>
-              <a:t>The student posts progress on each milestone.</a:t>
-            </a:r>
-          </a:p>
-          <a:p>
-            <a:r>
-              <a:rPr lang="en-US" dirty="0" smtClean="0"/>
-              <a:t>The teacher keeps tracks and marks progress.</a:t>
-            </a:r>
-          </a:p>
-          <a:p>
-            <a:endParaRPr lang="en-US" dirty="0" smtClean="0"/>
-          </a:p>
-          <a:p>
-            <a:pPr>
-              <a:buNone/>
-            </a:pPr>
-            <a:r>
-              <a:rPr lang="en-US" dirty="0" smtClean="0"/>
-              <a:t>Interactivity:</a:t>
-            </a:r>
-          </a:p>
-          <a:p>
-            <a:r>
-              <a:rPr lang="en-US" dirty="0" smtClean="0"/>
-              <a:t>Teachers and students can be in synch about project expectations.</a:t>
-            </a:r>
-          </a:p>
-          <a:p>
-            <a:r>
-              <a:rPr lang="en-US" dirty="0" smtClean="0"/>
-              <a:t>Corrective actions can be taken if appropriate progress is </a:t>
-            </a:r>
-            <a:r>
-              <a:rPr lang="en-US" smtClean="0"/>
-              <a:t>not made</a:t>
-            </a:r>
-            <a:br>
-              <a:rPr lang="en-US" smtClean="0"/>
-            </a:br>
-            <a:r>
-              <a:rPr lang="en-US" smtClean="0"/>
-              <a:t>before </a:t>
-            </a:r>
-            <a:r>
-              <a:rPr lang="en-US" dirty="0" smtClean="0"/>
-              <a:t>the deadline.</a:t>
-            </a:r>
-            <a:endParaRPr lang="en-US" dirty="0"/>
           </a:p>
         </p:txBody>
       </p:sp>
@@ -3689,12 +3650,14 @@
         </p:nvSpPr>
         <p:spPr/>
         <p:txBody>
-          <a:bodyPr/>
-          <a:lstStyle/>
-          <a:p>
-            <a:r>
-              <a:rPr lang="en-US" dirty="0" smtClean="0"/>
-              <a:t>Technology</a:t>
+          <a:bodyPr>
+            <a:normAutofit/>
+          </a:bodyPr>
+          <a:lstStyle/>
+          <a:p>
+            <a:r>
+              <a:rPr lang="en-US" dirty="0" smtClean="0"/>
+              <a:t>Demo</a:t>
             </a:r>
             <a:endParaRPr lang="en-US" dirty="0"/>
           </a:p>
@@ -3715,22 +3678,7 @@
           <a:bodyPr/>
           <a:lstStyle/>
           <a:p>
-            <a:r>
-              <a:rPr lang="en-US" dirty="0" smtClean="0"/>
-              <a:t>Browser-based interface.</a:t>
-            </a:r>
-          </a:p>
-          <a:p>
-            <a:r>
-              <a:rPr lang="en-US" dirty="0" smtClean="0"/>
-              <a:t>PHP.</a:t>
-            </a:r>
-          </a:p>
-          <a:p>
-            <a:r>
-              <a:rPr lang="en-US" dirty="0" smtClean="0"/>
-              <a:t>Google calendar synchronization.</a:t>
-            </a:r>
+            <a:endParaRPr lang="en-US"/>
           </a:p>
         </p:txBody>
       </p:sp>
@@ -3794,10 +3742,96 @@
         </p:nvSpPr>
         <p:spPr/>
         <p:txBody>
-          <a:bodyPr/>
-          <a:lstStyle/>
-          <a:p>
-            <a:endParaRPr lang="en-US"/>
+          <a:bodyPr>
+            <a:normAutofit fontScale="77500" lnSpcReduction="20000"/>
+          </a:bodyPr>
+          <a:lstStyle/>
+          <a:p>
+            <a:r>
+              <a:rPr lang="en-US" dirty="0" smtClean="0"/>
+              <a:t>Student project events</a:t>
+            </a:r>
+          </a:p>
+          <a:p>
+            <a:pPr lvl="1"/>
+            <a:r>
+              <a:rPr lang="en-US" dirty="0" smtClean="0"/>
+              <a:t>Teacher can create a project per student.</a:t>
+            </a:r>
+            <a:br>
+              <a:rPr lang="en-US" dirty="0" smtClean="0"/>
+            </a:br>
+            <a:endParaRPr lang="en-US" dirty="0" smtClean="0"/>
+          </a:p>
+          <a:p>
+            <a:r>
+              <a:rPr lang="en-US" dirty="0" smtClean="0"/>
+              <a:t>Set </a:t>
+            </a:r>
+            <a:r>
+              <a:rPr lang="en-US" dirty="0" smtClean="0"/>
+              <a:t>Milestones</a:t>
+            </a:r>
+          </a:p>
+          <a:p>
+            <a:pPr lvl="1"/>
+            <a:r>
+              <a:rPr lang="en-US" dirty="0" smtClean="0"/>
+              <a:t>Teacher can add milestones per project.</a:t>
+            </a:r>
+            <a:br>
+              <a:rPr lang="en-US" dirty="0" smtClean="0"/>
+            </a:br>
+            <a:endParaRPr lang="en-US" dirty="0" smtClean="0"/>
+          </a:p>
+          <a:p>
+            <a:r>
+              <a:rPr lang="en-US" dirty="0" smtClean="0"/>
+              <a:t>Check </a:t>
+            </a:r>
+            <a:r>
+              <a:rPr lang="en-US" dirty="0" smtClean="0"/>
+              <a:t>Progress</a:t>
+            </a:r>
+          </a:p>
+          <a:p>
+            <a:pPr lvl="1"/>
+            <a:r>
+              <a:rPr lang="en-US" dirty="0" smtClean="0"/>
+              <a:t>Color-coded list of milestones.</a:t>
+            </a:r>
+          </a:p>
+          <a:p>
+            <a:pPr lvl="1"/>
+            <a:r>
+              <a:rPr lang="en-US" dirty="0" smtClean="0"/>
+              <a:t>Shows milestones completion.</a:t>
+            </a:r>
+            <a:br>
+              <a:rPr lang="en-US" dirty="0" smtClean="0"/>
+            </a:br>
+            <a:endParaRPr lang="en-US" dirty="0" smtClean="0"/>
+          </a:p>
+          <a:p>
+            <a:r>
+              <a:rPr lang="en-US" dirty="0" smtClean="0"/>
+              <a:t>Interactivity</a:t>
+            </a:r>
+          </a:p>
+          <a:p>
+            <a:pPr lvl="1"/>
+            <a:r>
+              <a:rPr lang="en-US" dirty="0" smtClean="0"/>
+              <a:t>Teacher and student can review milestones together</a:t>
+            </a:r>
+            <a:br>
+              <a:rPr lang="en-US" dirty="0" smtClean="0"/>
+            </a:br>
+            <a:r>
+              <a:rPr lang="en-US" dirty="0" smtClean="0"/>
+              <a:t>and plan a course of action.</a:t>
+            </a:r>
+            <a:endParaRPr lang="en-US" dirty="0"/>
           </a:p>
         </p:txBody>
       </p:sp>
@@ -3861,10 +3895,61 @@
         </p:nvSpPr>
         <p:spPr/>
         <p:txBody>
-          <a:bodyPr/>
-          <a:lstStyle/>
-          <a:p>
-            <a:endParaRPr lang="en-US"/>
+          <a:bodyPr>
+            <a:normAutofit fontScale="85000" lnSpcReduction="10000"/>
+          </a:bodyPr>
+          <a:lstStyle/>
+          <a:p>
+            <a:r>
+              <a:rPr lang="en-US" dirty="0" smtClean="0"/>
+              <a:t>Milestones are evenly laid out between the start date and the deadline</a:t>
+            </a:r>
+            <a:r>
+              <a:rPr lang="en-US" dirty="0" smtClean="0"/>
+              <a:t>.</a:t>
+            </a:r>
+          </a:p>
+          <a:p>
+            <a:endParaRPr lang="en-US" dirty="0" smtClean="0"/>
+          </a:p>
+          <a:p>
+            <a:r>
+              <a:rPr lang="en-US" dirty="0" smtClean="0"/>
+              <a:t>Student can’t show intermediate progress.</a:t>
+            </a:r>
+          </a:p>
+          <a:p>
+            <a:endParaRPr lang="en-US" dirty="0" smtClean="0"/>
+          </a:p>
+          <a:p>
+            <a:r>
+              <a:rPr lang="en-US" dirty="0" smtClean="0"/>
+              <a:t>Ability to adjust milestone deadlines.</a:t>
+            </a:r>
+          </a:p>
+          <a:p>
+            <a:endParaRPr lang="en-US" dirty="0" smtClean="0"/>
+          </a:p>
+          <a:p>
+            <a:r>
+              <a:rPr lang="en-US" dirty="0" smtClean="0"/>
+              <a:t>Teacher can’t give feedback through the system.</a:t>
+            </a:r>
+          </a:p>
+          <a:p>
+            <a:endParaRPr lang="en-US" dirty="0" smtClean="0"/>
+          </a:p>
+          <a:p>
+            <a:r>
+              <a:rPr lang="en-US" dirty="0" smtClean="0"/>
+              <a:t>Audience-tested user interface.</a:t>
+            </a:r>
+          </a:p>
+          <a:p>
+            <a:endParaRPr lang="en-US" dirty="0" smtClean="0"/>
+          </a:p>
+          <a:p>
+            <a:endParaRPr lang="en-US" dirty="0"/>
           </a:p>
         </p:txBody>
       </p:sp>
@@ -3905,14 +3990,12 @@
         </p:nvSpPr>
         <p:spPr/>
         <p:txBody>
-          <a:bodyPr>
-            <a:normAutofit/>
-          </a:bodyPr>
-          <a:lstStyle/>
-          <a:p>
-            <a:r>
-              <a:rPr lang="en-US" dirty="0" smtClean="0"/>
-              <a:t>Demo</a:t>
+          <a:bodyPr/>
+          <a:lstStyle/>
+          <a:p>
+            <a:r>
+              <a:rPr lang="en-US" dirty="0" smtClean="0"/>
+              <a:t>Experiences</a:t>
             </a:r>
             <a:endParaRPr lang="en-US" dirty="0"/>
           </a:p>
@@ -3933,74 +4016,38 @@
           <a:bodyPr/>
           <a:lstStyle/>
           <a:p>
-            <a:endParaRPr lang="en-US"/>
-          </a:p>
-        </p:txBody>
-      </p:sp>
-    </p:spTree>
-  </p:cSld>
-  <p:clrMapOvr>
-    <a:masterClrMapping/>
-  </p:clrMapOvr>
-</p:sld>
-</file>
-
-<file path=ppt/slides/slide9.xml><?xml version="1.0" encoding="utf-8"?>
-<p:sld xmlns:a="http://schemas.openxmlformats.org/drawingml/2006/main" xmlns:r="http://schemas.openxmlformats.org/officeDocument/2006/relationships" xmlns:p="http://schemas.openxmlformats.org/presentationml/2006/main">
-  <p:cSld>
-    <p:spTree>
-      <p:nvGrpSpPr>
-        <p:cNvPr id="1" name=""/>
-        <p:cNvGrpSpPr/>
-        <p:nvPr/>
-      </p:nvGrpSpPr>
-      <p:grpSpPr>
-        <a:xfrm>
-          <a:off x="0" y="0"/>
-          <a:ext cx="0" cy="0"/>
-          <a:chOff x="0" y="0"/>
-          <a:chExt cx="0" cy="0"/>
-        </a:xfrm>
-      </p:grpSpPr>
-      <p:sp>
-        <p:nvSpPr>
-          <p:cNvPr id="2" name="Title 1"/>
-          <p:cNvSpPr>
-            <a:spLocks noGrp="1"/>
-          </p:cNvSpPr>
-          <p:nvPr>
-            <p:ph type="title"/>
-          </p:nvPr>
-        </p:nvSpPr>
-        <p:spPr/>
-        <p:txBody>
-          <a:bodyPr/>
-          <a:lstStyle/>
-          <a:p>
-            <a:r>
-              <a:rPr lang="en-US" smtClean="0"/>
-              <a:t>Experiences</a:t>
-            </a:r>
-            <a:endParaRPr lang="en-US" dirty="0"/>
-          </a:p>
-        </p:txBody>
-      </p:sp>
-      <p:sp>
-        <p:nvSpPr>
-          <p:cNvPr id="3" name="Content Placeholder 2"/>
-          <p:cNvSpPr>
-            <a:spLocks noGrp="1"/>
-          </p:cNvSpPr>
-          <p:nvPr>
-            <p:ph idx="1"/>
-          </p:nvPr>
-        </p:nvSpPr>
-        <p:spPr/>
-        <p:txBody>
-          <a:bodyPr/>
-          <a:lstStyle/>
-          <a:p>
-            <a:endParaRPr lang="en-US"/>
+            <a:r>
+              <a:rPr lang="en-US" dirty="0" smtClean="0"/>
+              <a:t>Division of labor.</a:t>
+            </a:r>
+          </a:p>
+          <a:p>
+            <a:endParaRPr lang="en-US" dirty="0" smtClean="0"/>
+          </a:p>
+          <a:p>
+            <a:r>
+              <a:rPr lang="en-US" dirty="0" smtClean="0"/>
+              <a:t>Learning curve.</a:t>
+            </a:r>
+          </a:p>
+          <a:p>
+            <a:endParaRPr lang="en-US" dirty="0" smtClean="0"/>
+          </a:p>
+          <a:p>
+            <a:r>
+              <a:rPr lang="en-US" dirty="0" smtClean="0"/>
+              <a:t>Communications.</a:t>
+            </a:r>
+          </a:p>
+          <a:p>
+            <a:endParaRPr lang="en-US" dirty="0" smtClean="0"/>
+          </a:p>
+          <a:p>
+            <a:r>
+              <a:rPr lang="en-US" dirty="0" smtClean="0"/>
+              <a:t>Realistic project goals.</a:t>
+            </a:r>
+            <a:endParaRPr lang="en-US" dirty="0"/>
           </a:p>
         </p:txBody>
       </p:sp>
